--- a/presentation/MikeYung_Presentation_final.pptx
+++ b/presentation/MikeYung_Presentation_final.pptx
@@ -207,7 +207,7 @@
           <a:p>
             <a:fld id="{506F8C5A-0F3E-794E-B316-BB83B2B9B53D}" type="datetimeFigureOut">
               <a:rPr lang="en-US" smtClean="0"/>
-              <a:t>11/30/16</a:t>
+              <a:t>12/6/16</a:t>
             </a:fld>
             <a:endParaRPr lang="en-US"/>
           </a:p>
@@ -1359,8 +1359,26 @@
             </a:pPr>
             <a:r>
               <a:rPr lang="en-US" baseline="0" dirty="0" smtClean="0"/>
-              <a:t>Now I want to switch gears and dive deep into the essay portion.</a:t>
-            </a:r>
+              <a:t>Now I want to switch gears and dive deep into the essay portion</a:t>
+            </a:r>
+            <a:r>
+              <a:rPr lang="en-US" baseline="0" dirty="0" smtClean="0"/>
+              <a:t>.</a:t>
+            </a:r>
+            <a:r>
+              <a:rPr lang="en-US" sz="1200" dirty="0" smtClean="0">
+                <a:solidFill>
+                  <a:schemeClr val="tx1">
+                    <a:lumMod val="65000"/>
+                    <a:lumOff val="35000"/>
+                  </a:schemeClr>
+                </a:solidFill>
+                <a:latin typeface="Courier New"/>
+                <a:cs typeface="Courier New"/>
+              </a:rPr>
+              <a:t> feel, think, friend, love, life</a:t>
+            </a:r>
+            <a:endParaRPr lang="en-US" baseline="0" dirty="0" smtClean="0"/>
           </a:p>
           <a:p>
             <a:pPr marL="0" marR="0" indent="0" algn="l" defTabSz="457200" rtl="0" eaLnBrk="1" fontAlgn="auto" latinLnBrk="0" hangingPunct="1">
@@ -2397,7 +2415,7 @@
           <a:p>
             <a:fld id="{4CF51189-0E46-2643-AA7B-9DE1EBEA5A59}" type="datetimeFigureOut">
               <a:rPr lang="en-US" smtClean="0"/>
-              <a:t>11/30/16</a:t>
+              <a:t>12/6/16</a:t>
             </a:fld>
             <a:endParaRPr lang="en-US"/>
           </a:p>
@@ -2567,7 +2585,7 @@
           <a:p>
             <a:fld id="{4CF51189-0E46-2643-AA7B-9DE1EBEA5A59}" type="datetimeFigureOut">
               <a:rPr lang="en-US" smtClean="0"/>
-              <a:t>11/30/16</a:t>
+              <a:t>12/6/16</a:t>
             </a:fld>
             <a:endParaRPr lang="en-US"/>
           </a:p>
@@ -2747,7 +2765,7 @@
           <a:p>
             <a:fld id="{4CF51189-0E46-2643-AA7B-9DE1EBEA5A59}" type="datetimeFigureOut">
               <a:rPr lang="en-US" smtClean="0"/>
-              <a:t>11/30/16</a:t>
+              <a:t>12/6/16</a:t>
             </a:fld>
             <a:endParaRPr lang="en-US"/>
           </a:p>
@@ -3168,7 +3186,7 @@
           <a:p>
             <a:fld id="{4CF51189-0E46-2643-AA7B-9DE1EBEA5A59}" type="datetimeFigureOut">
               <a:rPr lang="en-US" smtClean="0"/>
-              <a:t>11/30/16</a:t>
+              <a:t>12/6/16</a:t>
             </a:fld>
             <a:endParaRPr lang="en-US"/>
           </a:p>
@@ -3456,7 +3474,7 @@
           <a:p>
             <a:fld id="{4CF51189-0E46-2643-AA7B-9DE1EBEA5A59}" type="datetimeFigureOut">
               <a:rPr lang="en-US" smtClean="0"/>
-              <a:t>11/30/16</a:t>
+              <a:t>12/6/16</a:t>
             </a:fld>
             <a:endParaRPr lang="en-US"/>
           </a:p>
@@ -3878,7 +3896,7 @@
           <a:p>
             <a:fld id="{4CF51189-0E46-2643-AA7B-9DE1EBEA5A59}" type="datetimeFigureOut">
               <a:rPr lang="en-US" smtClean="0"/>
-              <a:t>11/30/16</a:t>
+              <a:t>12/6/16</a:t>
             </a:fld>
             <a:endParaRPr lang="en-US"/>
           </a:p>
@@ -3996,7 +4014,7 @@
           <a:p>
             <a:fld id="{4CF51189-0E46-2643-AA7B-9DE1EBEA5A59}" type="datetimeFigureOut">
               <a:rPr lang="en-US" smtClean="0"/>
-              <a:t>11/30/16</a:t>
+              <a:t>12/6/16</a:t>
             </a:fld>
             <a:endParaRPr lang="en-US"/>
           </a:p>
@@ -4091,7 +4109,7 @@
           <a:p>
             <a:fld id="{4CF51189-0E46-2643-AA7B-9DE1EBEA5A59}" type="datetimeFigureOut">
               <a:rPr lang="en-US" smtClean="0"/>
-              <a:t>11/30/16</a:t>
+              <a:t>12/6/16</a:t>
             </a:fld>
             <a:endParaRPr lang="en-US"/>
           </a:p>
@@ -4368,7 +4386,7 @@
           <a:p>
             <a:fld id="{4CF51189-0E46-2643-AA7B-9DE1EBEA5A59}" type="datetimeFigureOut">
               <a:rPr lang="en-US" smtClean="0"/>
-              <a:t>11/30/16</a:t>
+              <a:t>12/6/16</a:t>
             </a:fld>
             <a:endParaRPr lang="en-US"/>
           </a:p>
@@ -4621,7 +4639,7 @@
           <a:p>
             <a:fld id="{4CF51189-0E46-2643-AA7B-9DE1EBEA5A59}" type="datetimeFigureOut">
               <a:rPr lang="en-US" smtClean="0"/>
-              <a:t>11/30/16</a:t>
+              <a:t>12/6/16</a:t>
             </a:fld>
             <a:endParaRPr lang="en-US"/>
           </a:p>
@@ -4874,7 +4892,7 @@
           <a:p>
             <a:fld id="{4CF51189-0E46-2643-AA7B-9DE1EBEA5A59}" type="datetimeFigureOut">
               <a:rPr lang="en-US" smtClean="0"/>
-              <a:t>11/30/16</a:t>
+              <a:t>12/6/16</a:t>
             </a:fld>
             <a:endParaRPr lang="en-US"/>
           </a:p>
@@ -9526,11 +9544,7 @@
           <a:p>
             <a:r>
               <a:rPr lang="en-US" sz="3200" dirty="0" smtClean="0"/>
-              <a:t>Appendix 1: </a:t>
-            </a:r>
-            <a:r>
-              <a:rPr lang="en-US" sz="3200" dirty="0" smtClean="0"/>
-              <a:t>Ensemble Model Pipeline</a:t>
+              <a:t>Appendix 1: Ensemble Model Pipeline</a:t>
             </a:r>
             <a:endParaRPr lang="en-US" sz="3200" dirty="0"/>
           </a:p>
@@ -9546,11 +9560,11 @@
   <p:clrMapOvr>
     <a:masterClrMapping/>
   </p:clrMapOvr>
-  <mc:AlternateContent xmlns:mc="http://schemas.openxmlformats.org/markup-compatibility/2006">
-    <mc:Choice xmlns:p14="http://schemas.microsoft.com/office/powerpoint/2010/main" Requires="p14">
+  <mc:AlternateContent xmlns:mc="http://schemas.openxmlformats.org/markup-compatibility/2006" xmlns:p14="http://schemas.microsoft.com/office/powerpoint/2010/main">
+    <mc:Choice Requires="p14">
       <p:transition spd="slow" p14:dur="2000"/>
     </mc:Choice>
-    <mc:Fallback>
+    <mc:Fallback xmlns="">
       <p:transition xmlns:p14="http://schemas.microsoft.com/office/powerpoint/2010/main" spd="slow"/>
     </mc:Fallback>
   </mc:AlternateContent>
@@ -10487,15 +10501,7 @@
           <a:p>
             <a:r>
               <a:rPr lang="en-US" sz="3200" dirty="0" smtClean="0"/>
-              <a:t>Appendix </a:t>
-            </a:r>
-            <a:r>
-              <a:rPr lang="en-US" sz="3200" dirty="0" smtClean="0"/>
-              <a:t>2: </a:t>
-            </a:r>
-            <a:r>
-              <a:rPr lang="en-US" sz="3200" dirty="0" smtClean="0"/>
-              <a:t>ROC Curve for Train Set</a:t>
+              <a:t>Appendix 2: ROC Curve for Train Set</a:t>
             </a:r>
             <a:endParaRPr lang="en-US" sz="3200" dirty="0"/>
           </a:p>
@@ -10565,15 +10571,7 @@
           <a:p>
             <a:r>
               <a:rPr lang="en-US" sz="2800" dirty="0" smtClean="0"/>
-              <a:t>Appendix </a:t>
-            </a:r>
-            <a:r>
-              <a:rPr lang="en-US" sz="2800" dirty="0" smtClean="0"/>
-              <a:t>3: </a:t>
-            </a:r>
-            <a:r>
-              <a:rPr lang="en-US" sz="2800" dirty="0" smtClean="0"/>
-              <a:t>NMF Visualized</a:t>
+              <a:t>Appendix 3: NMF Visualized</a:t>
             </a:r>
             <a:endParaRPr lang="en-US" sz="2800" dirty="0"/>
           </a:p>
@@ -12565,7 +12563,7 @@
           <p:nvPr>
             <p:extLst>
               <p:ext uri="{D42A27DB-BD31-4B8C-83A1-F6EECF244321}">
-                <p14:modId xmlns:p14="http://schemas.microsoft.com/office/powerpoint/2010/main" val="2204324544"/>
+                <p14:modId xmlns:p14="http://schemas.microsoft.com/office/powerpoint/2010/main" val="572696029"/>
               </p:ext>
             </p:extLst>
           </p:nvPr>
@@ -13683,6 +13681,14 @@
                     <a:lstStyle/>
                     <a:p>
                       <a:pPr algn="ctr"/>
+                      <a:r>
+                        <a:rPr lang="en-US" sz="1200" b="0" dirty="0" smtClean="0">
+                          <a:solidFill>
+                            <a:srgbClr val="000000"/>
+                          </a:solidFill>
+                        </a:rPr>
+                        <a:t>feel</a:t>
+                      </a:r>
                       <a:endParaRPr lang="en-US" sz="1200" b="0" dirty="0">
                         <a:solidFill>
                           <a:srgbClr val="000000"/>
@@ -13720,7 +13726,15 @@
                     <a:lstStyle/>
                     <a:p>
                       <a:pPr algn="ctr"/>
-                      <a:endParaRPr lang="en-US" sz="1200" b="0">
+                      <a:r>
+                        <a:rPr lang="en-US" sz="1200" b="0" dirty="0" smtClean="0">
+                          <a:solidFill>
+                            <a:srgbClr val="000000"/>
+                          </a:solidFill>
+                        </a:rPr>
+                        <a:t>think</a:t>
+                      </a:r>
+                      <a:endParaRPr lang="en-US" sz="1200" b="0" dirty="0">
                         <a:solidFill>
                           <a:srgbClr val="000000"/>
                         </a:solidFill>
@@ -13757,7 +13771,15 @@
                     <a:lstStyle/>
                     <a:p>
                       <a:pPr algn="ctr"/>
-                      <a:endParaRPr lang="en-US" sz="1200" b="0">
+                      <a:r>
+                        <a:rPr lang="en-US" sz="1200" b="0" dirty="0" smtClean="0">
+                          <a:solidFill>
+                            <a:srgbClr val="000000"/>
+                          </a:solidFill>
+                        </a:rPr>
+                        <a:t>friend</a:t>
+                      </a:r>
+                      <a:endParaRPr lang="en-US" sz="1200" b="0" dirty="0">
                         <a:solidFill>
                           <a:srgbClr val="000000"/>
                         </a:solidFill>
@@ -13794,6 +13816,14 @@
                     <a:lstStyle/>
                     <a:p>
                       <a:pPr algn="ctr"/>
+                      <a:r>
+                        <a:rPr lang="en-US" sz="1200" b="0" dirty="0" smtClean="0">
+                          <a:solidFill>
+                            <a:srgbClr val="000000"/>
+                          </a:solidFill>
+                        </a:rPr>
+                        <a:t>love</a:t>
+                      </a:r>
                       <a:endParaRPr lang="en-US" sz="1200" b="0" dirty="0">
                         <a:solidFill>
                           <a:srgbClr val="000000"/>
@@ -13831,7 +13861,15 @@
                     <a:lstStyle/>
                     <a:p>
                       <a:pPr algn="ctr"/>
-                      <a:endParaRPr lang="en-US" sz="1200" b="0">
+                      <a:r>
+                        <a:rPr lang="en-US" sz="1200" b="0" dirty="0" smtClean="0">
+                          <a:solidFill>
+                            <a:srgbClr val="000000"/>
+                          </a:solidFill>
+                        </a:rPr>
+                        <a:t>moment</a:t>
+                      </a:r>
+                      <a:endParaRPr lang="en-US" sz="1200" b="0" dirty="0">
                         <a:solidFill>
                           <a:srgbClr val="000000"/>
                         </a:solidFill>
@@ -14840,15 +14878,7 @@
           <a:p>
             <a:r>
               <a:rPr lang="en-US" sz="2800" dirty="0" smtClean="0"/>
-              <a:t>Appendix </a:t>
-            </a:r>
-            <a:r>
-              <a:rPr lang="en-US" sz="2800" dirty="0" smtClean="0"/>
-              <a:t>4: </a:t>
-            </a:r>
-            <a:r>
-              <a:rPr lang="en-US" sz="2800" dirty="0" smtClean="0"/>
-              <a:t>NMF Semantic Reference Table</a:t>
+              <a:t>Appendix 4: NMF Semantic Reference Table</a:t>
             </a:r>
             <a:endParaRPr lang="en-US" sz="2800" dirty="0"/>
           </a:p>

--- a/presentation/MikeYung_Presentation_final.pptx
+++ b/presentation/MikeYung_Presentation_final.pptx
@@ -1359,11 +1359,7 @@
             </a:pPr>
             <a:r>
               <a:rPr lang="en-US" baseline="0" dirty="0" smtClean="0"/>
-              <a:t>Now I want to switch gears and dive deep into the essay portion</a:t>
-            </a:r>
-            <a:r>
-              <a:rPr lang="en-US" baseline="0" dirty="0" smtClean="0"/>
-              <a:t>.</a:t>
+              <a:t>Now I want to switch gears and dive deep into the essay portion.</a:t>
             </a:r>
             <a:r>
               <a:rPr lang="en-US" sz="1200" dirty="0" smtClean="0">
@@ -5279,22 +5275,20 @@
         </p:nvSpPr>
         <p:spPr>
           <a:xfrm>
-            <a:off x="685800" y="2271535"/>
+            <a:off x="685800" y="2045756"/>
             <a:ext cx="7772400" cy="1470025"/>
           </a:xfrm>
         </p:spPr>
         <p:txBody>
-          <a:bodyPr/>
+          <a:bodyPr>
+            <a:normAutofit/>
+          </a:bodyPr>
           <a:lstStyle/>
           <a:p>
             <a:pPr algn="l"/>
             <a:r>
-              <a:rPr lang="en-US" b="1" dirty="0" err="1" smtClean="0"/>
-              <a:t>AdmitSee</a:t>
-            </a:r>
-            <a:r>
               <a:rPr lang="en-US" b="1" dirty="0" smtClean="0"/>
-              <a:t> Analytics</a:t>
+              <a:t>Mining the Common App</a:t>
             </a:r>
             <a:endParaRPr lang="en-US" b="1" dirty="0"/>
           </a:p>
@@ -5312,17 +5306,19 @@
         </p:nvSpPr>
         <p:spPr>
           <a:xfrm>
-            <a:off x="685800" y="3566935"/>
+            <a:off x="685800" y="3554935"/>
             <a:ext cx="6400800" cy="812800"/>
           </a:xfrm>
         </p:spPr>
         <p:txBody>
-          <a:bodyPr/>
+          <a:bodyPr>
+            <a:normAutofit fontScale="92500" lnSpcReduction="20000"/>
+          </a:bodyPr>
           <a:lstStyle/>
           <a:p>
             <a:pPr algn="l"/>
             <a:r>
-              <a:rPr lang="en-US" dirty="0" smtClean="0">
+              <a:rPr lang="en-US" sz="3500" dirty="0" smtClean="0">
                 <a:solidFill>
                   <a:schemeClr val="tx1">
                     <a:lumMod val="65000"/>
@@ -5330,9 +5326,45 @@
                   </a:schemeClr>
                 </a:solidFill>
               </a:rPr>
-              <a:t>Mike Yung</a:t>
-            </a:r>
-            <a:endParaRPr lang="en-US" dirty="0">
+              <a:t>Mike </a:t>
+            </a:r>
+            <a:r>
+              <a:rPr lang="en-US" sz="3500" dirty="0" smtClean="0">
+                <a:solidFill>
+                  <a:schemeClr val="tx1">
+                    <a:lumMod val="65000"/>
+                    <a:lumOff val="35000"/>
+                  </a:schemeClr>
+                </a:solidFill>
+              </a:rPr>
+              <a:t>Yung</a:t>
+            </a:r>
+          </a:p>
+          <a:p>
+            <a:pPr algn="l"/>
+            <a:r>
+              <a:rPr lang="en-US" sz="2200" i="1" dirty="0" smtClean="0">
+                <a:solidFill>
+                  <a:schemeClr val="tx1">
+                    <a:lumMod val="65000"/>
+                    <a:lumOff val="35000"/>
+                  </a:schemeClr>
+                </a:solidFill>
+              </a:rPr>
+              <a:t>in partnership with </a:t>
+            </a:r>
+            <a:r>
+              <a:rPr lang="en-US" sz="2200" i="1" dirty="0" err="1" smtClean="0">
+                <a:solidFill>
+                  <a:schemeClr val="tx1">
+                    <a:lumMod val="65000"/>
+                    <a:lumOff val="35000"/>
+                  </a:schemeClr>
+                </a:solidFill>
+              </a:rPr>
+              <a:t>AdmitSee</a:t>
+            </a:r>
+            <a:endParaRPr lang="en-US" sz="2200" i="1" dirty="0">
               <a:solidFill>
                 <a:schemeClr val="tx1">
                   <a:lumMod val="65000"/>
